--- a/presentation-source/07-advanced-rest.pptx
+++ b/presentation-source/07-advanced-rest.pptx
@@ -193,7 +193,7 @@
           <a:lstStyle>
             <a:lvl1pPr algn="l">
               <a:defRPr sz="1200">
-                <a:latin typeface="Calisto MT"/>
+                <a:latin typeface="Montserrat"/>
               </a:defRPr>
             </a:lvl1pPr>
           </a:lstStyle>
@@ -226,7 +226,7 @@
           <a:lstStyle>
             <a:lvl1pPr algn="r">
               <a:defRPr sz="1200">
-                <a:latin typeface="Calisto MT"/>
+                <a:latin typeface="Montserrat"/>
               </a:defRPr>
             </a:lvl1pPr>
           </a:lstStyle>
@@ -357,7 +357,7 @@
           <a:lstStyle>
             <a:lvl1pPr algn="l">
               <a:defRPr sz="1200">
-                <a:latin typeface="Calisto MT"/>
+                <a:latin typeface="Montserrat"/>
               </a:defRPr>
             </a:lvl1pPr>
           </a:lstStyle>
@@ -390,7 +390,7 @@
           <a:lstStyle>
             <a:lvl1pPr algn="r">
               <a:defRPr sz="1200">
-                <a:latin typeface="Calisto MT"/>
+                <a:latin typeface="Montserrat"/>
               </a:defRPr>
             </a:lvl1pPr>
           </a:lstStyle>
@@ -418,7 +418,7 @@
         <a:solidFill>
           <a:schemeClr val="tx1"/>
         </a:solidFill>
-        <a:latin typeface="Calisto MT"/>
+        <a:latin typeface="Montserrat"/>
         <a:ea typeface="+mn-ea"/>
         <a:cs typeface="+mn-cs"/>
       </a:defRPr>
@@ -428,7 +428,7 @@
         <a:solidFill>
           <a:schemeClr val="tx1"/>
         </a:solidFill>
-        <a:latin typeface="Calisto MT"/>
+        <a:latin typeface="Montserrat"/>
         <a:ea typeface="+mn-ea"/>
         <a:cs typeface="+mn-cs"/>
       </a:defRPr>
@@ -438,7 +438,7 @@
         <a:solidFill>
           <a:schemeClr val="tx1"/>
         </a:solidFill>
-        <a:latin typeface="Calisto MT"/>
+        <a:latin typeface="Montserrat"/>
         <a:ea typeface="+mn-ea"/>
         <a:cs typeface="+mn-cs"/>
       </a:defRPr>
@@ -448,7 +448,7 @@
         <a:solidFill>
           <a:schemeClr val="tx1"/>
         </a:solidFill>
-        <a:latin typeface="Calisto MT"/>
+        <a:latin typeface="Montserrat"/>
         <a:ea typeface="+mn-ea"/>
         <a:cs typeface="+mn-cs"/>
       </a:defRPr>
@@ -458,7 +458,7 @@
         <a:solidFill>
           <a:schemeClr val="tx1"/>
         </a:solidFill>
-        <a:latin typeface="Calisto MT"/>
+        <a:latin typeface="Montserrat"/>
         <a:ea typeface="+mn-ea"/>
         <a:cs typeface="+mn-cs"/>
       </a:defRPr>
@@ -5030,9 +5030,117 @@
           </a:p>
         </p:txBody>
       </p:sp>
-      <p:sp>
-        <p:nvSpPr>
-          <p:cNvPr id="21" name="TextBox 20"/>
+      <p:pic>
+        <p:nvPicPr>
+          <p:cNvPr id="22" name="Picture 2"/>
+          <p:cNvPicPr>
+            <a:picLocks noChangeAspect="1" noChangeArrowheads="1"/>
+          </p:cNvPicPr>
+          <p:nvPr userDrawn="1"/>
+        </p:nvPicPr>
+        <p:blipFill>
+          <a:blip r:embed="rId14">
+            <a:extLst>
+              <a:ext uri="{28A0092B-C50C-407E-A947-70E740481C1C}">
+                <a14:useLocalDpi xmlns:a14="http://schemas.microsoft.com/office/drawing/2010/main" val="0"/>
+              </a:ext>
+            </a:extLst>
+          </a:blip>
+          <a:srcRect/>
+          <a:stretch>
+            <a:fillRect/>
+          </a:stretch>
+        </p:blipFill>
+        <p:spPr bwMode="auto">
+          <a:xfrm>
+            <a:off x="1350963" y="9518650"/>
+            <a:ext cx="1012825" cy="360363"/>
+          </a:xfrm>
+          <a:prstGeom prst="rect">
+            <a:avLst/>
+          </a:prstGeom>
+          <a:noFill/>
+          <a:ln>
+            <a:noFill/>
+          </a:ln>
+          <a:extLst>
+            <a:ext uri="{909E8E84-426E-40dd-AFC4-6F175D3DCCD1}">
+              <a14:hiddenFill xmlns:a14="http://schemas.microsoft.com/office/drawing/2010/main">
+                <a:solidFill>
+                  <a:srgbClr val="FFFFFF"/>
+                </a:solidFill>
+              </a14:hiddenFill>
+            </a:ext>
+            <a:ext uri="{91240B29-F687-4f45-9708-019B960494DF}">
+              <a14:hiddenLine xmlns:a14="http://schemas.microsoft.com/office/drawing/2010/main" w="9525">
+                <a:solidFill>
+                  <a:srgbClr val="000000"/>
+                </a:solidFill>
+                <a:miter lim="800000"/>
+                <a:headEnd/>
+                <a:tailEnd/>
+              </a14:hiddenLine>
+            </a:ext>
+          </a:extLst>
+        </p:spPr>
+      </p:pic>
+      <p:pic>
+        <p:nvPicPr>
+          <p:cNvPr id="23" name="Picture 2"/>
+          <p:cNvPicPr>
+            <a:picLocks noChangeAspect="1" noChangeArrowheads="1"/>
+          </p:cNvPicPr>
+          <p:nvPr userDrawn="1"/>
+        </p:nvPicPr>
+        <p:blipFill>
+          <a:blip r:embed="rId14">
+            <a:extLst>
+              <a:ext uri="{28A0092B-C50C-407E-A947-70E740481C1C}">
+                <a14:useLocalDpi xmlns:a14="http://schemas.microsoft.com/office/drawing/2010/main" val="0"/>
+              </a:ext>
+            </a:extLst>
+          </a:blip>
+          <a:srcRect/>
+          <a:stretch>
+            <a:fillRect/>
+          </a:stretch>
+        </p:blipFill>
+        <p:spPr bwMode="auto">
+          <a:xfrm>
+            <a:off x="1503363" y="9671050"/>
+            <a:ext cx="1012825" cy="360363"/>
+          </a:xfrm>
+          <a:prstGeom prst="rect">
+            <a:avLst/>
+          </a:prstGeom>
+          <a:noFill/>
+          <a:ln>
+            <a:noFill/>
+          </a:ln>
+          <a:extLst>
+            <a:ext uri="{909E8E84-426E-40dd-AFC4-6F175D3DCCD1}">
+              <a14:hiddenFill xmlns:a14="http://schemas.microsoft.com/office/drawing/2010/main">
+                <a:solidFill>
+                  <a:srgbClr val="FFFFFF"/>
+                </a:solidFill>
+              </a14:hiddenFill>
+            </a:ext>
+            <a:ext uri="{91240B29-F687-4f45-9708-019B960494DF}">
+              <a14:hiddenLine xmlns:a14="http://schemas.microsoft.com/office/drawing/2010/main" w="9525">
+                <a:solidFill>
+                  <a:srgbClr val="000000"/>
+                </a:solidFill>
+                <a:miter lim="800000"/>
+                <a:headEnd/>
+                <a:tailEnd/>
+              </a14:hiddenLine>
+            </a:ext>
+          </a:extLst>
+        </p:spPr>
+      </p:pic>
+      <p:sp>
+        <p:nvSpPr>
+          <p:cNvPr id="25" name="TextBox 24"/>
           <p:cNvSpPr txBox="1">
             <a:spLocks noChangeArrowheads="1"/>
           </p:cNvSpPr>
@@ -5040,8 +5148,8 @@
         </p:nvSpPr>
         <p:spPr bwMode="auto">
           <a:xfrm>
-            <a:off x="1046163" y="6092834"/>
-            <a:ext cx="6327373" cy="707886"/>
+            <a:off x="1168930" y="6344711"/>
+            <a:ext cx="4942379" cy="415498"/>
           </a:xfrm>
           <a:prstGeom prst="rect">
             <a:avLst/>
@@ -5213,8 +5321,22 @@
               <a:defRPr/>
             </a:pPr>
             <a:r>
-              <a:rPr lang="en-US" sz="1000" dirty="0" smtClean="0"/>
-              <a:t>© Paul Fremantle 2012.  Portions © Jeremy Gibbons 2010, © WSO2 2005-2012 used with permission of the author(s).</a:t>
+              <a:rPr lang="en-US" sz="700" dirty="0" smtClean="0">
+                <a:latin typeface="Montserrat"/>
+              </a:rPr>
+              <a:t>© Paul Fremantle </a:t>
+            </a:r>
+            <a:r>
+              <a:rPr lang="en-US" sz="700" dirty="0" smtClean="0">
+                <a:latin typeface="Montserrat"/>
+              </a:rPr>
+              <a:t>2016 except where credited elsewhere. </a:t>
+            </a:r>
+            <a:r>
+              <a:rPr lang="en-US" sz="700" dirty="0" smtClean="0">
+                <a:latin typeface="Montserrat"/>
+              </a:rPr>
+              <a:t> This work is licensed under a Creative Commons</a:t>
             </a:r>
           </a:p>
           <a:p>
@@ -5222,205 +5344,84 @@
               <a:defRPr/>
             </a:pPr>
             <a:r>
-              <a:rPr lang="en-US" sz="1000" dirty="0" smtClean="0"/>
-              <a:t>Licensed under the Creative Commons 3.0 BY-SA (Attribution-</a:t>
-            </a:r>
-            <a:r>
-              <a:rPr lang="en-US" sz="1000" dirty="0" err="1" smtClean="0"/>
-              <a:t>Sharealike</a:t>
-            </a:r>
-            <a:r>
-              <a:rPr lang="en-US" sz="1000" dirty="0" smtClean="0"/>
-              <a:t>) license.</a:t>
-            </a:r>
-          </a:p>
-          <a:p>
-            <a:pPr algn="l" eaLnBrk="1" hangingPunct="1">
-              <a:defRPr/>
-            </a:pPr>
-            <a:r>
-              <a:rPr lang="en-US" sz="1000" dirty="0" smtClean="0"/>
-              <a:t>See </a:t>
-            </a:r>
-            <a:r>
-              <a:rPr lang="en-US" sz="1000" dirty="0" smtClean="0">
-                <a:hlinkClick r:id="rId13"/>
+              <a:rPr lang="en-US" sz="700" dirty="0" smtClean="0">
+                <a:latin typeface="Montserrat"/>
               </a:rPr>
-              <a:t>http://creativecommons.org/licenses/by-sa/3.0/</a:t>
-            </a:r>
-            <a:r>
-              <a:rPr lang="en-US" sz="1000" dirty="0" smtClean="0"/>
+              <a:t> Attribution-</a:t>
+            </a:r>
+            <a:r>
+              <a:rPr lang="en-US" sz="700" dirty="0" err="1" smtClean="0">
+                <a:latin typeface="Montserrat"/>
+              </a:rPr>
+              <a:t>NonCommercial</a:t>
+            </a:r>
+            <a:r>
+              <a:rPr lang="en-US" sz="700" dirty="0" smtClean="0">
+                <a:latin typeface="Montserrat"/>
+              </a:rPr>
+              <a:t>-</a:t>
+            </a:r>
+            <a:r>
+              <a:rPr lang="en-US" sz="700" dirty="0" err="1" smtClean="0">
+                <a:latin typeface="Montserrat"/>
+              </a:rPr>
+              <a:t>ShareAlike</a:t>
+            </a:r>
+            <a:r>
+              <a:rPr lang="en-US" sz="700" dirty="0" smtClean="0">
+                <a:latin typeface="Montserrat"/>
+              </a:rPr>
+              <a:t> 4.0 International License</a:t>
+            </a:r>
+            <a:br>
+              <a:rPr lang="en-US" sz="700" dirty="0" smtClean="0">
+                <a:latin typeface="Montserrat"/>
+              </a:rPr>
+            </a:br>
+            <a:r>
+              <a:rPr lang="en-US" sz="700" dirty="0" smtClean="0">
+                <a:latin typeface="Montserrat"/>
+              </a:rPr>
+              <a:t>See  </a:t>
+            </a:r>
+            <a:r>
+              <a:rPr lang="en-US" sz="700" dirty="0" smtClean="0">
+                <a:latin typeface="Montserrat"/>
+                <a:hlinkClick r:id="rId15"/>
+              </a:rPr>
+              <a:t>http://creativecommons.org/licenses/by-nc-sa/4.0/</a:t>
+            </a:r>
+            <a:r>
+              <a:rPr lang="en-US" sz="700" dirty="0" smtClean="0">
+                <a:latin typeface="Montserrat"/>
+              </a:rPr>
               <a:t> </a:t>
             </a:r>
-          </a:p>
-          <a:p>
-            <a:pPr algn="l" eaLnBrk="1" hangingPunct="1">
-              <a:defRPr/>
-            </a:pPr>
-            <a:endParaRPr lang="en-US" sz="1000" dirty="0" smtClean="0"/>
           </a:p>
         </p:txBody>
       </p:sp>
       <p:pic>
         <p:nvPicPr>
-          <p:cNvPr id="22" name="Picture 2"/>
+          <p:cNvPr id="26" name="Picture 25"/>
           <p:cNvPicPr>
-            <a:picLocks noChangeAspect="1" noChangeArrowheads="1"/>
+            <a:picLocks noChangeAspect="1"/>
           </p:cNvPicPr>
           <p:nvPr userDrawn="1"/>
         </p:nvPicPr>
         <p:blipFill>
-          <a:blip r:embed="rId14">
-            <a:extLst>
-              <a:ext uri="{28A0092B-C50C-407E-A947-70E740481C1C}">
-                <a14:useLocalDpi xmlns:a14="http://schemas.microsoft.com/office/drawing/2010/main" val="0"/>
-              </a:ext>
-            </a:extLst>
-          </a:blip>
-          <a:srcRect/>
+          <a:blip r:embed="rId16"/>
           <a:stretch>
             <a:fillRect/>
           </a:stretch>
         </p:blipFill>
-        <p:spPr bwMode="auto">
-          <a:xfrm>
-            <a:off x="1350963" y="9518650"/>
-            <a:ext cx="1012825" cy="360363"/>
+        <p:spPr>
+          <a:xfrm>
+            <a:off x="375635" y="6428175"/>
+            <a:ext cx="792765" cy="279269"/>
           </a:xfrm>
           <a:prstGeom prst="rect">
             <a:avLst/>
           </a:prstGeom>
-          <a:noFill/>
-          <a:ln>
-            <a:noFill/>
-          </a:ln>
-          <a:extLst>
-            <a:ext uri="{909E8E84-426E-40dd-AFC4-6F175D3DCCD1}">
-              <a14:hiddenFill xmlns:a14="http://schemas.microsoft.com/office/drawing/2010/main">
-                <a:solidFill>
-                  <a:srgbClr val="FFFFFF"/>
-                </a:solidFill>
-              </a14:hiddenFill>
-            </a:ext>
-            <a:ext uri="{91240B29-F687-4f45-9708-019B960494DF}">
-              <a14:hiddenLine xmlns:a14="http://schemas.microsoft.com/office/drawing/2010/main" w="9525">
-                <a:solidFill>
-                  <a:srgbClr val="000000"/>
-                </a:solidFill>
-                <a:miter lim="800000"/>
-                <a:headEnd/>
-                <a:tailEnd/>
-              </a14:hiddenLine>
-            </a:ext>
-          </a:extLst>
-        </p:spPr>
-      </p:pic>
-      <p:pic>
-        <p:nvPicPr>
-          <p:cNvPr id="23" name="Picture 2"/>
-          <p:cNvPicPr>
-            <a:picLocks noChangeAspect="1" noChangeArrowheads="1"/>
-          </p:cNvPicPr>
-          <p:nvPr userDrawn="1"/>
-        </p:nvPicPr>
-        <p:blipFill>
-          <a:blip r:embed="rId14">
-            <a:extLst>
-              <a:ext uri="{28A0092B-C50C-407E-A947-70E740481C1C}">
-                <a14:useLocalDpi xmlns:a14="http://schemas.microsoft.com/office/drawing/2010/main" val="0"/>
-              </a:ext>
-            </a:extLst>
-          </a:blip>
-          <a:srcRect/>
-          <a:stretch>
-            <a:fillRect/>
-          </a:stretch>
-        </p:blipFill>
-        <p:spPr bwMode="auto">
-          <a:xfrm>
-            <a:off x="1503363" y="9671050"/>
-            <a:ext cx="1012825" cy="360363"/>
-          </a:xfrm>
-          <a:prstGeom prst="rect">
-            <a:avLst/>
-          </a:prstGeom>
-          <a:noFill/>
-          <a:ln>
-            <a:noFill/>
-          </a:ln>
-          <a:extLst>
-            <a:ext uri="{909E8E84-426E-40dd-AFC4-6F175D3DCCD1}">
-              <a14:hiddenFill xmlns:a14="http://schemas.microsoft.com/office/drawing/2010/main">
-                <a:solidFill>
-                  <a:srgbClr val="FFFFFF"/>
-                </a:solidFill>
-              </a14:hiddenFill>
-            </a:ext>
-            <a:ext uri="{91240B29-F687-4f45-9708-019B960494DF}">
-              <a14:hiddenLine xmlns:a14="http://schemas.microsoft.com/office/drawing/2010/main" w="9525">
-                <a:solidFill>
-                  <a:srgbClr val="000000"/>
-                </a:solidFill>
-                <a:miter lim="800000"/>
-                <a:headEnd/>
-                <a:tailEnd/>
-              </a14:hiddenLine>
-            </a:ext>
-          </a:extLst>
-        </p:spPr>
-      </p:pic>
-      <p:pic>
-        <p:nvPicPr>
-          <p:cNvPr id="24" name="Picture 23"/>
-          <p:cNvPicPr>
-            <a:picLocks noChangeAspect="1" noChangeArrowheads="1"/>
-          </p:cNvPicPr>
-          <p:nvPr userDrawn="1"/>
-        </p:nvPicPr>
-        <p:blipFill>
-          <a:blip r:embed="rId14">
-            <a:extLst>
-              <a:ext uri="{28A0092B-C50C-407E-A947-70E740481C1C}">
-                <a14:useLocalDpi xmlns:a14="http://schemas.microsoft.com/office/drawing/2010/main" val="0"/>
-              </a:ext>
-            </a:extLst>
-          </a:blip>
-          <a:srcRect/>
-          <a:stretch>
-            <a:fillRect/>
-          </a:stretch>
-        </p:blipFill>
-        <p:spPr bwMode="auto">
-          <a:xfrm>
-            <a:off x="320764" y="6254746"/>
-            <a:ext cx="725399" cy="258097"/>
-          </a:xfrm>
-          <a:prstGeom prst="rect">
-            <a:avLst/>
-          </a:prstGeom>
-          <a:noFill/>
-          <a:ln>
-            <a:noFill/>
-          </a:ln>
-          <a:extLst>
-            <a:ext uri="{909E8E84-426E-40dd-AFC4-6F175D3DCCD1}">
-              <a14:hiddenFill xmlns:a14="http://schemas.microsoft.com/office/drawing/2010/main">
-                <a:solidFill>
-                  <a:srgbClr val="FFFFFF"/>
-                </a:solidFill>
-              </a14:hiddenFill>
-            </a:ext>
-            <a:ext uri="{91240B29-F687-4f45-9708-019B960494DF}">
-              <a14:hiddenLine xmlns:a14="http://schemas.microsoft.com/office/drawing/2010/main" w="9525">
-                <a:solidFill>
-                  <a:srgbClr val="000000"/>
-                </a:solidFill>
-                <a:miter lim="800000"/>
-                <a:headEnd/>
-                <a:tailEnd/>
-              </a14:hiddenLine>
-            </a:ext>
-          </a:extLst>
         </p:spPr>
       </p:pic>
     </p:spTree>
@@ -5455,7 +5456,7 @@
           <a:solidFill>
             <a:schemeClr val="tx1"/>
           </a:solidFill>
-          <a:latin typeface="Calisto MT"/>
+          <a:latin typeface="Montserrat"/>
           <a:ea typeface="+mj-ea"/>
           <a:cs typeface="+mj-cs"/>
         </a:defRPr>
@@ -5472,7 +5473,7 @@
           <a:solidFill>
             <a:schemeClr val="tx1"/>
           </a:solidFill>
-          <a:latin typeface="Calisto MT"/>
+          <a:latin typeface="Montserrat"/>
           <a:ea typeface="+mn-ea"/>
           <a:cs typeface="+mn-cs"/>
         </a:defRPr>
@@ -5487,7 +5488,7 @@
           <a:solidFill>
             <a:schemeClr val="tx1"/>
           </a:solidFill>
-          <a:latin typeface="Calisto MT"/>
+          <a:latin typeface="Montserrat"/>
           <a:ea typeface="+mn-ea"/>
           <a:cs typeface="+mn-cs"/>
         </a:defRPr>
@@ -5502,7 +5503,7 @@
           <a:solidFill>
             <a:schemeClr val="tx1"/>
           </a:solidFill>
-          <a:latin typeface="Calisto MT"/>
+          <a:latin typeface="Montserrat"/>
           <a:ea typeface="+mn-ea"/>
           <a:cs typeface="+mn-cs"/>
         </a:defRPr>
@@ -5517,7 +5518,7 @@
           <a:solidFill>
             <a:schemeClr val="tx1"/>
           </a:solidFill>
-          <a:latin typeface="Calisto MT"/>
+          <a:latin typeface="Montserrat"/>
           <a:ea typeface="+mn-ea"/>
           <a:cs typeface="+mn-cs"/>
         </a:defRPr>
@@ -5532,7 +5533,7 @@
           <a:solidFill>
             <a:schemeClr val="tx1"/>
           </a:solidFill>
-          <a:latin typeface="Calisto MT"/>
+          <a:latin typeface="Montserrat"/>
           <a:ea typeface="+mn-ea"/>
           <a:cs typeface="+mn-cs"/>
         </a:defRPr>
@@ -5749,7 +5750,9 @@
         </p:nvSpPr>
         <p:spPr/>
         <p:txBody>
-          <a:bodyPr/>
+          <a:bodyPr>
+            <a:normAutofit fontScale="92500" lnSpcReduction="20000"/>
+          </a:bodyPr>
           <a:lstStyle/>
           <a:p>
             <a:r>
@@ -5876,8 +5879,19 @@
           <a:p>
             <a:r>
               <a:rPr lang="en-US" dirty="0" smtClean="0"/>
-              <a:t>Traditional CS systems required the client and server to be kept in sync</a:t>
-            </a:r>
+              <a:t>Traditional CS systems required the client and server to be kept in </a:t>
+            </a:r>
+            <a:r>
+              <a:rPr lang="en-US" dirty="0" smtClean="0"/>
+              <a:t>sync</a:t>
+            </a:r>
+          </a:p>
+          <a:p>
+            <a:r>
+              <a:rPr lang="en-US" dirty="0" smtClean="0"/>
+              <a:t>The web uses cookies</a:t>
+            </a:r>
+            <a:endParaRPr lang="en-US" dirty="0" smtClean="0"/>
           </a:p>
           <a:p>
             <a:pPr marL="457200" lvl="1" indent="0">
@@ -7734,7 +7748,9 @@
         </p:nvSpPr>
         <p:spPr/>
         <p:txBody>
-          <a:bodyPr/>
+          <a:bodyPr>
+            <a:normAutofit fontScale="90000"/>
+          </a:bodyPr>
           <a:lstStyle/>
           <a:p>
             <a:r>
@@ -10735,7 +10751,7 @@
         <p:spPr/>
         <p:txBody>
           <a:bodyPr>
-            <a:normAutofit fontScale="92500" lnSpcReduction="20000"/>
+            <a:normAutofit fontScale="85000" lnSpcReduction="20000"/>
           </a:bodyPr>
           <a:lstStyle/>
           <a:p>
@@ -10780,14 +10796,35 @@
           <a:p>
             <a:r>
               <a:rPr lang="en-US" dirty="0" smtClean="0"/>
-              <a:t>Cache servers:</a:t>
-            </a:r>
+              <a:t>Cache servers</a:t>
+            </a:r>
+            <a:r>
+              <a:rPr lang="en-US" dirty="0" smtClean="0"/>
+              <a:t>:</a:t>
+            </a:r>
+            <a:endParaRPr lang="en-US" dirty="0" smtClean="0"/>
           </a:p>
           <a:p>
             <a:pPr lvl="1"/>
             <a:r>
               <a:rPr lang="en-US" dirty="0" smtClean="0"/>
-              <a:t>The usual </a:t>
+              <a:t>The client keeps a cookie, which is the key to the </a:t>
+            </a:r>
+            <a:r>
+              <a:rPr lang="en-US" dirty="0" err="1" smtClean="0"/>
+              <a:t>datastore</a:t>
+            </a:r>
+            <a:endParaRPr lang="en-US" dirty="0" smtClean="0"/>
+          </a:p>
+          <a:p>
+            <a:pPr lvl="1"/>
+            <a:r>
+              <a:rPr lang="en-US" dirty="0" smtClean="0"/>
+              <a:t>The </a:t>
+            </a:r>
+            <a:r>
+              <a:rPr lang="en-US" dirty="0" smtClean="0"/>
+              <a:t>usual </a:t>
             </a:r>
             <a:r>
               <a:rPr lang="en-US" dirty="0" err="1" smtClean="0"/>
@@ -11854,7 +11891,7 @@
         <p:spPr/>
         <p:txBody>
           <a:bodyPr>
-            <a:normAutofit/>
+            <a:normAutofit fontScale="92500"/>
           </a:bodyPr>
           <a:lstStyle/>
           <a:p>
@@ -11985,7 +12022,9 @@
         </p:nvSpPr>
         <p:spPr/>
         <p:txBody>
-          <a:bodyPr/>
+          <a:bodyPr>
+            <a:normAutofit fontScale="90000"/>
+          </a:bodyPr>
           <a:lstStyle/>
           <a:p>
             <a:r>
@@ -12343,7 +12382,9 @@
         </p:nvSpPr>
         <p:spPr/>
         <p:txBody>
-          <a:bodyPr/>
+          <a:bodyPr>
+            <a:normAutofit fontScale="90000"/>
+          </a:bodyPr>
           <a:lstStyle/>
           <a:p>
             <a:r>
@@ -12367,7 +12408,7 @@
         <p:spPr/>
         <p:txBody>
           <a:bodyPr>
-            <a:normAutofit/>
+            <a:normAutofit fontScale="92500" lnSpcReduction="10000"/>
           </a:bodyPr>
           <a:lstStyle/>
           <a:p>
@@ -12476,7 +12517,7 @@
         <p:spPr/>
         <p:txBody>
           <a:bodyPr>
-            <a:normAutofit fontScale="85000" lnSpcReduction="20000"/>
+            <a:normAutofit fontScale="77500" lnSpcReduction="20000"/>
           </a:bodyPr>
           <a:lstStyle/>
           <a:p>
@@ -12652,7 +12693,9 @@
         </p:nvSpPr>
         <p:spPr/>
         <p:txBody>
-          <a:bodyPr/>
+          <a:bodyPr>
+            <a:normAutofit fontScale="92500"/>
+          </a:bodyPr>
           <a:lstStyle/>
           <a:p>
             <a:r>
@@ -13485,12 +13528,8 @@
           </a:p>
           <a:p>
             <a:r>
-              <a:rPr lang="en-US" dirty="0" err="1" smtClean="0"/>
-              <a:t>Cacheing</a:t>
-            </a:r>
-            <a:r>
-              <a:rPr lang="en-US" dirty="0" smtClean="0"/>
-              <a:t> </a:t>
+              <a:rPr lang="en-US" dirty="0" smtClean="0"/>
+              <a:t>Cacheing </a:t>
             </a:r>
           </a:p>
           <a:p>
@@ -13571,7 +13610,7 @@
           <a:lstStyle/>
           <a:p>
             <a:r>
-              <a:rPr lang="en-US" dirty="0" err="1" smtClean="0"/>
+              <a:rPr lang="en-US" dirty="0" smtClean="0"/>
               <a:t>Cacheing</a:t>
             </a:r>
             <a:endParaRPr lang="en-US" dirty="0"/>
@@ -13591,19 +13630,14 @@
         <p:spPr/>
         <p:txBody>
           <a:bodyPr>
-            <a:normAutofit fontScale="92500" lnSpcReduction="10000"/>
+            <a:normAutofit fontScale="92500" lnSpcReduction="20000"/>
           </a:bodyPr>
           <a:lstStyle/>
           <a:p>
             <a:r>
               <a:rPr lang="en-US" dirty="0" smtClean="0"/>
-              <a:t>Large scale network systems often rely on </a:t>
-            </a:r>
-            <a:r>
-              <a:rPr lang="en-US" dirty="0" err="1" smtClean="0"/>
-              <a:t>cacheing</a:t>
-            </a:r>
-            <a:endParaRPr lang="en-US" dirty="0" smtClean="0"/>
+              <a:t>Large scale network systems often rely on cacheing</a:t>
+            </a:r>
           </a:p>
           <a:p>
             <a:pPr lvl="1"/>
@@ -13702,22 +13736,19 @@
             <p:ph type="title"/>
           </p:nvPr>
         </p:nvSpPr>
-        <p:spPr/>
+        <p:spPr>
+          <a:xfrm>
+            <a:off x="457200" y="297729"/>
+            <a:ext cx="8229600" cy="1143000"/>
+          </a:xfrm>
+        </p:spPr>
         <p:txBody>
           <a:bodyPr/>
           <a:lstStyle/>
           <a:p>
             <a:r>
               <a:rPr lang="en-US" dirty="0" smtClean="0"/>
-              <a:t>HTTP </a:t>
-            </a:r>
-            <a:r>
-              <a:rPr lang="en-US" dirty="0" err="1" smtClean="0"/>
-              <a:t>cacheing</a:t>
-            </a:r>
-            <a:r>
-              <a:rPr lang="en-US" dirty="0" smtClean="0"/>
-              <a:t> features</a:t>
+              <a:t>HTTP cacheing features</a:t>
             </a:r>
             <a:endParaRPr lang="en-US" dirty="0"/>
           </a:p>

--- a/presentation-source/07-advanced-rest.pptx
+++ b/presentation-source/07-advanced-rest.pptx
@@ -5,7 +5,7 @@
     <p:sldMasterId id="2147483648" r:id="rId1"/>
   </p:sldMasterIdLst>
   <p:notesMasterIdLst>
-    <p:notesMasterId r:id="rId40"/>
+    <p:notesMasterId r:id="rId41"/>
   </p:notesMasterIdLst>
   <p:sldIdLst>
     <p:sldId id="256" r:id="rId2"/>
@@ -42,10 +42,11 @@
     <p:sldId id="278" r:id="rId33"/>
     <p:sldId id="277" r:id="rId34"/>
     <p:sldId id="288" r:id="rId35"/>
-    <p:sldId id="290" r:id="rId36"/>
-    <p:sldId id="291" r:id="rId37"/>
-    <p:sldId id="322" r:id="rId38"/>
-    <p:sldId id="289" r:id="rId39"/>
+    <p:sldId id="324" r:id="rId36"/>
+    <p:sldId id="290" r:id="rId37"/>
+    <p:sldId id="291" r:id="rId38"/>
+    <p:sldId id="322" r:id="rId39"/>
+    <p:sldId id="289" r:id="rId40"/>
   </p:sldIdLst>
   <p:sldSz cx="9144000" cy="6858000" type="screen4x3"/>
   <p:notesSz cx="6858000" cy="9144000"/>
@@ -234,7 +235,7 @@
             <a:fld id="{7307762F-A706-E543-A832-3C298AA3103F}" type="datetimeFigureOut">
               <a:rPr lang="en-US" smtClean="0"/>
               <a:pPr/>
-              <a:t>10/06/16</a:t>
+              <a:t>25/02/17</a:t>
             </a:fld>
             <a:endParaRPr lang="en-US" dirty="0"/>
           </a:p>
@@ -801,7 +802,7 @@
           <a:p>
             <a:fld id="{875CF0EB-321F-0749-B37A-89BBA859503C}" type="datetimeFigureOut">
               <a:rPr lang="en-US" smtClean="0"/>
-              <a:t>10/06/16</a:t>
+              <a:t>25/02/17</a:t>
             </a:fld>
             <a:endParaRPr lang="en-US"/>
           </a:p>
@@ -1005,7 +1006,7 @@
           <a:p>
             <a:fld id="{875CF0EB-321F-0749-B37A-89BBA859503C}" type="datetimeFigureOut">
               <a:rPr lang="en-US" smtClean="0"/>
-              <a:t>10/06/16</a:t>
+              <a:t>25/02/17</a:t>
             </a:fld>
             <a:endParaRPr lang="en-US"/>
           </a:p>
@@ -1199,7 +1200,7 @@
           <a:p>
             <a:fld id="{875CF0EB-321F-0749-B37A-89BBA859503C}" type="datetimeFigureOut">
               <a:rPr lang="en-US" smtClean="0"/>
-              <a:t>10/06/16</a:t>
+              <a:t>25/02/17</a:t>
             </a:fld>
             <a:endParaRPr lang="en-US"/>
           </a:p>
@@ -1469,7 +1470,7 @@
           <a:p>
             <a:fld id="{875CF0EB-321F-0749-B37A-89BBA859503C}" type="datetimeFigureOut">
               <a:rPr lang="en-US" smtClean="0"/>
-              <a:t>10/06/16</a:t>
+              <a:t>25/02/17</a:t>
             </a:fld>
             <a:endParaRPr lang="en-US"/>
           </a:p>
@@ -1781,7 +1782,7 @@
           <a:p>
             <a:fld id="{875CF0EB-321F-0749-B37A-89BBA859503C}" type="datetimeFigureOut">
               <a:rPr lang="en-US" smtClean="0"/>
-              <a:t>10/06/16</a:t>
+              <a:t>25/02/17</a:t>
             </a:fld>
             <a:endParaRPr lang="en-US"/>
           </a:p>
@@ -2227,7 +2228,7 @@
           <a:p>
             <a:fld id="{875CF0EB-321F-0749-B37A-89BBA859503C}" type="datetimeFigureOut">
               <a:rPr lang="en-US" smtClean="0"/>
-              <a:t>10/06/16</a:t>
+              <a:t>25/02/17</a:t>
             </a:fld>
             <a:endParaRPr lang="en-US"/>
           </a:p>
@@ -2369,7 +2370,7 @@
           <a:p>
             <a:fld id="{875CF0EB-321F-0749-B37A-89BBA859503C}" type="datetimeFigureOut">
               <a:rPr lang="en-US" smtClean="0"/>
-              <a:t>10/06/16</a:t>
+              <a:t>25/02/17</a:t>
             </a:fld>
             <a:endParaRPr lang="en-US"/>
           </a:p>
@@ -2488,7 +2489,7 @@
           <a:p>
             <a:fld id="{875CF0EB-321F-0749-B37A-89BBA859503C}" type="datetimeFigureOut">
               <a:rPr lang="en-US" smtClean="0"/>
-              <a:t>10/06/16</a:t>
+              <a:t>25/02/17</a:t>
             </a:fld>
             <a:endParaRPr lang="en-US"/>
           </a:p>
@@ -2789,7 +2790,7 @@
           <a:p>
             <a:fld id="{875CF0EB-321F-0749-B37A-89BBA859503C}" type="datetimeFigureOut">
               <a:rPr lang="en-US" smtClean="0"/>
-              <a:t>10/06/16</a:t>
+              <a:t>25/02/17</a:t>
             </a:fld>
             <a:endParaRPr lang="en-US"/>
           </a:p>
@@ -3066,7 +3067,7 @@
           <a:p>
             <a:fld id="{875CF0EB-321F-0749-B37A-89BBA859503C}" type="datetimeFigureOut">
               <a:rPr lang="en-US" smtClean="0"/>
-              <a:t>10/06/16</a:t>
+              <a:t>25/02/17</a:t>
             </a:fld>
             <a:endParaRPr lang="en-US"/>
           </a:p>
@@ -5324,19 +5325,7 @@
               <a:rPr lang="en-US" sz="700" dirty="0" smtClean="0">
                 <a:latin typeface="Montserrat"/>
               </a:rPr>
-              <a:t>© Paul Fremantle </a:t>
-            </a:r>
-            <a:r>
-              <a:rPr lang="en-US" sz="700" dirty="0" smtClean="0">
-                <a:latin typeface="Montserrat"/>
-              </a:rPr>
-              <a:t>2016 except where credited elsewhere. </a:t>
-            </a:r>
-            <a:r>
-              <a:rPr lang="en-US" sz="700" dirty="0" smtClean="0">
-                <a:latin typeface="Montserrat"/>
-              </a:rPr>
-              <a:t> This work is licensed under a Creative Commons</a:t>
+              <a:t>© Paul Fremantle 2016 except where credited elsewhere.  This work is licensed under a Creative Commons</a:t>
             </a:r>
           </a:p>
           <a:p>
@@ -5879,11 +5868,7 @@
           <a:p>
             <a:r>
               <a:rPr lang="en-US" dirty="0" smtClean="0"/>
-              <a:t>Traditional CS systems required the client and server to be kept in </a:t>
-            </a:r>
-            <a:r>
-              <a:rPr lang="en-US" dirty="0" smtClean="0"/>
-              <a:t>sync</a:t>
+              <a:t>Traditional CS systems required the client and server to be kept in sync</a:t>
             </a:r>
           </a:p>
           <a:p>
@@ -5891,7 +5876,6 @@
               <a:rPr lang="en-US" dirty="0" smtClean="0"/>
               <a:t>The web uses cookies</a:t>
             </a:r>
-            <a:endParaRPr lang="en-US" dirty="0" smtClean="0"/>
           </a:p>
           <a:p>
             <a:pPr marL="457200" lvl="1" indent="0">
@@ -10796,13 +10780,8 @@
           <a:p>
             <a:r>
               <a:rPr lang="en-US" dirty="0" smtClean="0"/>
-              <a:t>Cache servers</a:t>
-            </a:r>
-            <a:r>
-              <a:rPr lang="en-US" dirty="0" smtClean="0"/>
-              <a:t>:</a:t>
-            </a:r>
-            <a:endParaRPr lang="en-US" dirty="0" smtClean="0"/>
+              <a:t>Cache servers:</a:t>
+            </a:r>
           </a:p>
           <a:p>
             <a:pPr lvl="1"/>
@@ -10820,11 +10799,7 @@
             <a:pPr lvl="1"/>
             <a:r>
               <a:rPr lang="en-US" dirty="0" smtClean="0"/>
-              <a:t>The </a:t>
-            </a:r>
-            <a:r>
-              <a:rPr lang="en-US" dirty="0" smtClean="0"/>
-              <a:t>usual </a:t>
+              <a:t>The usual </a:t>
             </a:r>
             <a:r>
               <a:rPr lang="en-US" dirty="0" err="1" smtClean="0"/>
@@ -13038,39 +13013,14 @@
         </p:nvSpPr>
         <p:spPr/>
         <p:txBody>
-          <a:bodyPr>
-            <a:noAutofit/>
-          </a:bodyPr>
+          <a:bodyPr/>
           <a:lstStyle/>
           <a:p>
             <a:r>
               <a:rPr lang="en-US" dirty="0" smtClean="0"/>
-              <a:t>Not </a:t>
-            </a:r>
-            <a:r>
-              <a:rPr lang="en-US" dirty="0"/>
-              <a:t>everyone agrees:</a:t>
-            </a:r>
-            <a:br>
-              <a:rPr lang="en-US" dirty="0"/>
-            </a:br>
-            <a:r>
-              <a:rPr lang="en-US" sz="2000" dirty="0">
-                <a:hlinkClick r:id="rId2"/>
-              </a:rPr>
-              <a:t>http://www.nurkiewicz.com/2015/07/restful-considered-</a:t>
-            </a:r>
-            <a:r>
-              <a:rPr lang="en-US" sz="2000" dirty="0" smtClean="0">
-                <a:hlinkClick r:id="rId2"/>
-              </a:rPr>
-              <a:t>harmful.html</a:t>
-            </a:r>
-            <a:r>
-              <a:rPr lang="en-US" sz="2000" dirty="0" smtClean="0"/>
-              <a:t> </a:t>
-            </a:r>
-            <a:endParaRPr lang="en-US" sz="3200" dirty="0"/>
+              <a:t>HTCPCP 1.0</a:t>
+            </a:r>
+            <a:endParaRPr lang="en-US" dirty="0"/>
           </a:p>
         </p:txBody>
       </p:sp>
@@ -13083,15 +13033,15 @@
           <p:nvPr/>
         </p:nvPicPr>
         <p:blipFill>
-          <a:blip r:embed="rId3"/>
+          <a:blip r:embed="rId2"/>
           <a:stretch>
             <a:fillRect/>
           </a:stretch>
         </p:blipFill>
         <p:spPr>
           <a:xfrm>
-            <a:off x="785906" y="1264467"/>
-            <a:ext cx="7530353" cy="5485980"/>
+            <a:off x="0" y="1417638"/>
+            <a:ext cx="9144000" cy="6772459"/>
           </a:xfrm>
           <a:prstGeom prst="rect">
             <a:avLst/>
@@ -13101,7 +13051,7 @@
     </p:spTree>
     <p:extLst>
       <p:ext uri="{BB962C8B-B14F-4D97-AF65-F5344CB8AC3E}">
-        <p14:creationId xmlns:p14="http://schemas.microsoft.com/office/powerpoint/2010/main" val="2535603878"/>
+        <p14:creationId xmlns:p14="http://schemas.microsoft.com/office/powerpoint/2010/main" val="4024595144"/>
       </p:ext>
     </p:extLst>
   </p:cSld>
@@ -13130,6 +13080,108 @@
       </p:grpSpPr>
       <p:sp>
         <p:nvSpPr>
+          <p:cNvPr id="5" name="Title 4"/>
+          <p:cNvSpPr>
+            <a:spLocks noGrp="1"/>
+          </p:cNvSpPr>
+          <p:nvPr>
+            <p:ph type="title"/>
+          </p:nvPr>
+        </p:nvSpPr>
+        <p:spPr/>
+        <p:txBody>
+          <a:bodyPr>
+            <a:noAutofit/>
+          </a:bodyPr>
+          <a:lstStyle/>
+          <a:p>
+            <a:r>
+              <a:rPr lang="en-US" dirty="0" smtClean="0"/>
+              <a:t>Not </a:t>
+            </a:r>
+            <a:r>
+              <a:rPr lang="en-US" dirty="0"/>
+              <a:t>everyone agrees:</a:t>
+            </a:r>
+            <a:br>
+              <a:rPr lang="en-US" dirty="0"/>
+            </a:br>
+            <a:r>
+              <a:rPr lang="en-US" sz="2000" dirty="0">
+                <a:hlinkClick r:id="rId2"/>
+              </a:rPr>
+              <a:t>http://www.nurkiewicz.com/2015/07/restful-considered-</a:t>
+            </a:r>
+            <a:r>
+              <a:rPr lang="en-US" sz="2000" dirty="0" smtClean="0">
+                <a:hlinkClick r:id="rId2"/>
+              </a:rPr>
+              <a:t>harmful.html</a:t>
+            </a:r>
+            <a:r>
+              <a:rPr lang="en-US" sz="2000" dirty="0" smtClean="0"/>
+              <a:t> </a:t>
+            </a:r>
+            <a:endParaRPr lang="en-US" sz="3200" dirty="0"/>
+          </a:p>
+        </p:txBody>
+      </p:sp>
+      <p:pic>
+        <p:nvPicPr>
+          <p:cNvPr id="7" name="Picture 6"/>
+          <p:cNvPicPr>
+            <a:picLocks noChangeAspect="1"/>
+          </p:cNvPicPr>
+          <p:nvPr/>
+        </p:nvPicPr>
+        <p:blipFill>
+          <a:blip r:embed="rId3"/>
+          <a:stretch>
+            <a:fillRect/>
+          </a:stretch>
+        </p:blipFill>
+        <p:spPr>
+          <a:xfrm>
+            <a:off x="785906" y="1264467"/>
+            <a:ext cx="7530353" cy="5485980"/>
+          </a:xfrm>
+          <a:prstGeom prst="rect">
+            <a:avLst/>
+          </a:prstGeom>
+        </p:spPr>
+      </p:pic>
+    </p:spTree>
+    <p:extLst>
+      <p:ext uri="{BB962C8B-B14F-4D97-AF65-F5344CB8AC3E}">
+        <p14:creationId xmlns:p14="http://schemas.microsoft.com/office/powerpoint/2010/main" val="2535603878"/>
+      </p:ext>
+    </p:extLst>
+  </p:cSld>
+  <p:clrMapOvr>
+    <a:masterClrMapping/>
+  </p:clrMapOvr>
+</p:sld>
+</file>
+
+<file path=ppt/slides/slide37.xml><?xml version="1.0" encoding="utf-8"?>
+<p:sld xmlns:a="http://schemas.openxmlformats.org/drawingml/2006/main" xmlns:r="http://schemas.openxmlformats.org/officeDocument/2006/relationships" xmlns:p="http://schemas.openxmlformats.org/presentationml/2006/main">
+  <p:cSld>
+    <p:spTree>
+      <p:nvGrpSpPr>
+        <p:cNvPr id="1" name=""/>
+        <p:cNvGrpSpPr/>
+        <p:nvPr/>
+      </p:nvGrpSpPr>
+      <p:grpSpPr>
+        <a:xfrm>
+          <a:off x="0" y="0"/>
+          <a:ext cx="0" cy="0"/>
+          <a:chOff x="0" y="0"/>
+          <a:chExt cx="0" cy="0"/>
+        </a:xfrm>
+      </p:grpSpPr>
+      <p:sp>
+        <p:nvSpPr>
           <p:cNvPr id="2" name="Title 1"/>
           <p:cNvSpPr>
             <a:spLocks noGrp="1"/>
@@ -13244,7 +13296,7 @@
 </p:sld>
 </file>
 
-<file path=ppt/slides/slide37.xml><?xml version="1.0" encoding="utf-8"?>
+<file path=ppt/slides/slide38.xml><?xml version="1.0" encoding="utf-8"?>
 <p:sld xmlns:a="http://schemas.openxmlformats.org/drawingml/2006/main" xmlns:r="http://schemas.openxmlformats.org/officeDocument/2006/relationships" xmlns:p="http://schemas.openxmlformats.org/presentationml/2006/main">
   <p:cSld>
     <p:spTree>
@@ -13334,7 +13386,7 @@
 </p:sld>
 </file>
 
-<file path=ppt/slides/slide38.xml><?xml version="1.0" encoding="utf-8"?>
+<file path=ppt/slides/slide39.xml><?xml version="1.0" encoding="utf-8"?>
 <p:sld xmlns:a="http://schemas.openxmlformats.org/drawingml/2006/main" xmlns:r="http://schemas.openxmlformats.org/officeDocument/2006/relationships" xmlns:p="http://schemas.openxmlformats.org/presentationml/2006/main">
   <p:cSld>
     <p:spTree>

--- a/presentation-source/07-advanced-rest.pptx
+++ b/presentation-source/07-advanced-rest.pptx
@@ -235,7 +235,7 @@
             <a:fld id="{7307762F-A706-E543-A832-3C298AA3103F}" type="datetimeFigureOut">
               <a:rPr lang="en-US" smtClean="0"/>
               <a:pPr/>
-              <a:t>25/02/17</a:t>
+              <a:t>07/05/17</a:t>
             </a:fld>
             <a:endParaRPr lang="en-US" dirty="0"/>
           </a:p>
@@ -802,7 +802,7 @@
           <a:p>
             <a:fld id="{875CF0EB-321F-0749-B37A-89BBA859503C}" type="datetimeFigureOut">
               <a:rPr lang="en-US" smtClean="0"/>
-              <a:t>25/02/17</a:t>
+              <a:t>07/05/17</a:t>
             </a:fld>
             <a:endParaRPr lang="en-US"/>
           </a:p>
@@ -1006,7 +1006,7 @@
           <a:p>
             <a:fld id="{875CF0EB-321F-0749-B37A-89BBA859503C}" type="datetimeFigureOut">
               <a:rPr lang="en-US" smtClean="0"/>
-              <a:t>25/02/17</a:t>
+              <a:t>07/05/17</a:t>
             </a:fld>
             <a:endParaRPr lang="en-US"/>
           </a:p>
@@ -1200,7 +1200,7 @@
           <a:p>
             <a:fld id="{875CF0EB-321F-0749-B37A-89BBA859503C}" type="datetimeFigureOut">
               <a:rPr lang="en-US" smtClean="0"/>
-              <a:t>25/02/17</a:t>
+              <a:t>07/05/17</a:t>
             </a:fld>
             <a:endParaRPr lang="en-US"/>
           </a:p>
@@ -1470,7 +1470,7 @@
           <a:p>
             <a:fld id="{875CF0EB-321F-0749-B37A-89BBA859503C}" type="datetimeFigureOut">
               <a:rPr lang="en-US" smtClean="0"/>
-              <a:t>25/02/17</a:t>
+              <a:t>07/05/17</a:t>
             </a:fld>
             <a:endParaRPr lang="en-US"/>
           </a:p>
@@ -1782,7 +1782,7 @@
           <a:p>
             <a:fld id="{875CF0EB-321F-0749-B37A-89BBA859503C}" type="datetimeFigureOut">
               <a:rPr lang="en-US" smtClean="0"/>
-              <a:t>25/02/17</a:t>
+              <a:t>07/05/17</a:t>
             </a:fld>
             <a:endParaRPr lang="en-US"/>
           </a:p>
@@ -2228,7 +2228,7 @@
           <a:p>
             <a:fld id="{875CF0EB-321F-0749-B37A-89BBA859503C}" type="datetimeFigureOut">
               <a:rPr lang="en-US" smtClean="0"/>
-              <a:t>25/02/17</a:t>
+              <a:t>07/05/17</a:t>
             </a:fld>
             <a:endParaRPr lang="en-US"/>
           </a:p>
@@ -2370,7 +2370,7 @@
           <a:p>
             <a:fld id="{875CF0EB-321F-0749-B37A-89BBA859503C}" type="datetimeFigureOut">
               <a:rPr lang="en-US" smtClean="0"/>
-              <a:t>25/02/17</a:t>
+              <a:t>07/05/17</a:t>
             </a:fld>
             <a:endParaRPr lang="en-US"/>
           </a:p>
@@ -2489,7 +2489,7 @@
           <a:p>
             <a:fld id="{875CF0EB-321F-0749-B37A-89BBA859503C}" type="datetimeFigureOut">
               <a:rPr lang="en-US" smtClean="0"/>
-              <a:t>25/02/17</a:t>
+              <a:t>07/05/17</a:t>
             </a:fld>
             <a:endParaRPr lang="en-US"/>
           </a:p>
@@ -2790,7 +2790,7 @@
           <a:p>
             <a:fld id="{875CF0EB-321F-0749-B37A-89BBA859503C}" type="datetimeFigureOut">
               <a:rPr lang="en-US" smtClean="0"/>
-              <a:t>25/02/17</a:t>
+              <a:t>07/05/17</a:t>
             </a:fld>
             <a:endParaRPr lang="en-US"/>
           </a:p>
@@ -3067,7 +3067,7 @@
           <a:p>
             <a:fld id="{875CF0EB-321F-0749-B37A-89BBA859503C}" type="datetimeFigureOut">
               <a:rPr lang="en-US" smtClean="0"/>
-              <a:t>25/02/17</a:t>
+              <a:t>07/05/17</a:t>
             </a:fld>
             <a:endParaRPr lang="en-US"/>
           </a:p>
@@ -5763,11 +5763,11 @@
           </a:p>
           <a:p>
             <a:r>
-              <a:rPr lang="en-US" dirty="0" smtClean="0">
+              <a:rPr lang="en-US" smtClean="0">
                 <a:ea typeface="ヒラギノ角ゴ ProN W3" charset="0"/>
                 <a:cs typeface="ヒラギノ角ゴ ProN W3" charset="0"/>
               </a:rPr>
-              <a:t>June 2016</a:t>
+              <a:t>May 2017</a:t>
             </a:r>
             <a:endParaRPr lang="en-US" dirty="0">
               <a:ea typeface="ヒラギノ角ゴ ProN W3" charset="0"/>

--- a/presentation-source/07-advanced-rest.pptx
+++ b/presentation-source/07-advanced-rest.pptx
@@ -235,7 +235,7 @@
             <a:fld id="{7307762F-A706-E543-A832-3C298AA3103F}" type="datetimeFigureOut">
               <a:rPr lang="en-US" smtClean="0"/>
               <a:pPr/>
-              <a:t>07/05/17</a:t>
+              <a:t>18/12/17</a:t>
             </a:fld>
             <a:endParaRPr lang="en-US" dirty="0"/>
           </a:p>
@@ -802,7 +802,7 @@
           <a:p>
             <a:fld id="{875CF0EB-321F-0749-B37A-89BBA859503C}" type="datetimeFigureOut">
               <a:rPr lang="en-US" smtClean="0"/>
-              <a:t>07/05/17</a:t>
+              <a:t>18/12/17</a:t>
             </a:fld>
             <a:endParaRPr lang="en-US"/>
           </a:p>
@@ -1006,7 +1006,7 @@
           <a:p>
             <a:fld id="{875CF0EB-321F-0749-B37A-89BBA859503C}" type="datetimeFigureOut">
               <a:rPr lang="en-US" smtClean="0"/>
-              <a:t>07/05/17</a:t>
+              <a:t>18/12/17</a:t>
             </a:fld>
             <a:endParaRPr lang="en-US"/>
           </a:p>
@@ -1200,7 +1200,7 @@
           <a:p>
             <a:fld id="{875CF0EB-321F-0749-B37A-89BBA859503C}" type="datetimeFigureOut">
               <a:rPr lang="en-US" smtClean="0"/>
-              <a:t>07/05/17</a:t>
+              <a:t>18/12/17</a:t>
             </a:fld>
             <a:endParaRPr lang="en-US"/>
           </a:p>
@@ -1470,7 +1470,7 @@
           <a:p>
             <a:fld id="{875CF0EB-321F-0749-B37A-89BBA859503C}" type="datetimeFigureOut">
               <a:rPr lang="en-US" smtClean="0"/>
-              <a:t>07/05/17</a:t>
+              <a:t>18/12/17</a:t>
             </a:fld>
             <a:endParaRPr lang="en-US"/>
           </a:p>
@@ -1782,7 +1782,7 @@
           <a:p>
             <a:fld id="{875CF0EB-321F-0749-B37A-89BBA859503C}" type="datetimeFigureOut">
               <a:rPr lang="en-US" smtClean="0"/>
-              <a:t>07/05/17</a:t>
+              <a:t>18/12/17</a:t>
             </a:fld>
             <a:endParaRPr lang="en-US"/>
           </a:p>
@@ -2228,7 +2228,7 @@
           <a:p>
             <a:fld id="{875CF0EB-321F-0749-B37A-89BBA859503C}" type="datetimeFigureOut">
               <a:rPr lang="en-US" smtClean="0"/>
-              <a:t>07/05/17</a:t>
+              <a:t>18/12/17</a:t>
             </a:fld>
             <a:endParaRPr lang="en-US"/>
           </a:p>
@@ -2370,7 +2370,7 @@
           <a:p>
             <a:fld id="{875CF0EB-321F-0749-B37A-89BBA859503C}" type="datetimeFigureOut">
               <a:rPr lang="en-US" smtClean="0"/>
-              <a:t>07/05/17</a:t>
+              <a:t>18/12/17</a:t>
             </a:fld>
             <a:endParaRPr lang="en-US"/>
           </a:p>
@@ -2489,7 +2489,7 @@
           <a:p>
             <a:fld id="{875CF0EB-321F-0749-B37A-89BBA859503C}" type="datetimeFigureOut">
               <a:rPr lang="en-US" smtClean="0"/>
-              <a:t>07/05/17</a:t>
+              <a:t>18/12/17</a:t>
             </a:fld>
             <a:endParaRPr lang="en-US"/>
           </a:p>
@@ -2790,7 +2790,7 @@
           <a:p>
             <a:fld id="{875CF0EB-321F-0749-B37A-89BBA859503C}" type="datetimeFigureOut">
               <a:rPr lang="en-US" smtClean="0"/>
-              <a:t>07/05/17</a:t>
+              <a:t>18/12/17</a:t>
             </a:fld>
             <a:endParaRPr lang="en-US"/>
           </a:p>
@@ -3067,7 +3067,7 @@
           <a:p>
             <a:fld id="{875CF0EB-321F-0749-B37A-89BBA859503C}" type="datetimeFigureOut">
               <a:rPr lang="en-US" smtClean="0"/>
-              <a:t>07/05/17</a:t>
+              <a:t>18/12/17</a:t>
             </a:fld>
             <a:endParaRPr lang="en-US"/>
           </a:p>
@@ -5767,7 +5767,7 @@
                 <a:ea typeface="ヒラギノ角ゴ ProN W3" charset="0"/>
                 <a:cs typeface="ヒラギノ角ゴ ProN W3" charset="0"/>
               </a:rPr>
-              <a:t>May 2017</a:t>
+              <a:t>January 2018</a:t>
             </a:r>
             <a:endParaRPr lang="en-US" dirty="0">
               <a:ea typeface="ヒラギノ角ゴ ProN W3" charset="0"/>

--- a/presentation-source/07-advanced-rest.pptx
+++ b/presentation-source/07-advanced-rest.pptx
@@ -5,7 +5,7 @@
     <p:sldMasterId id="2147483648" r:id="rId1"/>
   </p:sldMasterIdLst>
   <p:notesMasterIdLst>
-    <p:notesMasterId r:id="rId41"/>
+    <p:notesMasterId r:id="rId44"/>
   </p:notesMasterIdLst>
   <p:sldIdLst>
     <p:sldId id="256" r:id="rId2"/>
@@ -43,10 +43,13 @@
     <p:sldId id="277" r:id="rId34"/>
     <p:sldId id="288" r:id="rId35"/>
     <p:sldId id="324" r:id="rId36"/>
-    <p:sldId id="290" r:id="rId37"/>
-    <p:sldId id="291" r:id="rId38"/>
-    <p:sldId id="322" r:id="rId39"/>
-    <p:sldId id="289" r:id="rId40"/>
+    <p:sldId id="325" r:id="rId37"/>
+    <p:sldId id="326" r:id="rId38"/>
+    <p:sldId id="327" r:id="rId39"/>
+    <p:sldId id="290" r:id="rId40"/>
+    <p:sldId id="291" r:id="rId41"/>
+    <p:sldId id="322" r:id="rId42"/>
+    <p:sldId id="289" r:id="rId43"/>
   </p:sldIdLst>
   <p:sldSz cx="9144000" cy="6858000" type="screen4x3"/>
   <p:notesSz cx="6858000" cy="9144000"/>
@@ -235,7 +238,7 @@
             <a:fld id="{7307762F-A706-E543-A832-3C298AA3103F}" type="datetimeFigureOut">
               <a:rPr lang="en-US" smtClean="0"/>
               <a:pPr/>
-              <a:t>18/12/17</a:t>
+              <a:t>19/12/17</a:t>
             </a:fld>
             <a:endParaRPr lang="en-US" dirty="0"/>
           </a:p>
@@ -802,7 +805,7 @@
           <a:p>
             <a:fld id="{875CF0EB-321F-0749-B37A-89BBA859503C}" type="datetimeFigureOut">
               <a:rPr lang="en-US" smtClean="0"/>
-              <a:t>18/12/17</a:t>
+              <a:t>19/12/17</a:t>
             </a:fld>
             <a:endParaRPr lang="en-US"/>
           </a:p>
@@ -1006,7 +1009,7 @@
           <a:p>
             <a:fld id="{875CF0EB-321F-0749-B37A-89BBA859503C}" type="datetimeFigureOut">
               <a:rPr lang="en-US" smtClean="0"/>
-              <a:t>18/12/17</a:t>
+              <a:t>19/12/17</a:t>
             </a:fld>
             <a:endParaRPr lang="en-US"/>
           </a:p>
@@ -1200,7 +1203,7 @@
           <a:p>
             <a:fld id="{875CF0EB-321F-0749-B37A-89BBA859503C}" type="datetimeFigureOut">
               <a:rPr lang="en-US" smtClean="0"/>
-              <a:t>18/12/17</a:t>
+              <a:t>19/12/17</a:t>
             </a:fld>
             <a:endParaRPr lang="en-US"/>
           </a:p>
@@ -1470,7 +1473,7 @@
           <a:p>
             <a:fld id="{875CF0EB-321F-0749-B37A-89BBA859503C}" type="datetimeFigureOut">
               <a:rPr lang="en-US" smtClean="0"/>
-              <a:t>18/12/17</a:t>
+              <a:t>19/12/17</a:t>
             </a:fld>
             <a:endParaRPr lang="en-US"/>
           </a:p>
@@ -1782,7 +1785,7 @@
           <a:p>
             <a:fld id="{875CF0EB-321F-0749-B37A-89BBA859503C}" type="datetimeFigureOut">
               <a:rPr lang="en-US" smtClean="0"/>
-              <a:t>18/12/17</a:t>
+              <a:t>19/12/17</a:t>
             </a:fld>
             <a:endParaRPr lang="en-US"/>
           </a:p>
@@ -2228,7 +2231,7 @@
           <a:p>
             <a:fld id="{875CF0EB-321F-0749-B37A-89BBA859503C}" type="datetimeFigureOut">
               <a:rPr lang="en-US" smtClean="0"/>
-              <a:t>18/12/17</a:t>
+              <a:t>19/12/17</a:t>
             </a:fld>
             <a:endParaRPr lang="en-US"/>
           </a:p>
@@ -2370,7 +2373,7 @@
           <a:p>
             <a:fld id="{875CF0EB-321F-0749-B37A-89BBA859503C}" type="datetimeFigureOut">
               <a:rPr lang="en-US" smtClean="0"/>
-              <a:t>18/12/17</a:t>
+              <a:t>19/12/17</a:t>
             </a:fld>
             <a:endParaRPr lang="en-US"/>
           </a:p>
@@ -2489,7 +2492,7 @@
           <a:p>
             <a:fld id="{875CF0EB-321F-0749-B37A-89BBA859503C}" type="datetimeFigureOut">
               <a:rPr lang="en-US" smtClean="0"/>
-              <a:t>18/12/17</a:t>
+              <a:t>19/12/17</a:t>
             </a:fld>
             <a:endParaRPr lang="en-US"/>
           </a:p>
@@ -2790,7 +2793,7 @@
           <a:p>
             <a:fld id="{875CF0EB-321F-0749-B37A-89BBA859503C}" type="datetimeFigureOut">
               <a:rPr lang="en-US" smtClean="0"/>
-              <a:t>18/12/17</a:t>
+              <a:t>19/12/17</a:t>
             </a:fld>
             <a:endParaRPr lang="en-US"/>
           </a:p>
@@ -3067,7 +3070,7 @@
           <a:p>
             <a:fld id="{875CF0EB-321F-0749-B37A-89BBA859503C}" type="datetimeFigureOut">
               <a:rPr lang="en-US" smtClean="0"/>
-              <a:t>18/12/17</a:t>
+              <a:t>19/12/17</a:t>
             </a:fld>
             <a:endParaRPr lang="en-US"/>
           </a:p>
@@ -13080,7 +13083,7 @@
       </p:grpSpPr>
       <p:sp>
         <p:nvSpPr>
-          <p:cNvPr id="5" name="Title 4"/>
+          <p:cNvPr id="2" name="Title 1"/>
           <p:cNvSpPr>
             <a:spLocks noGrp="1"/>
           </p:cNvSpPr>
@@ -13090,45 +13093,44 @@
         </p:nvSpPr>
         <p:spPr/>
         <p:txBody>
-          <a:bodyPr>
-            <a:noAutofit/>
-          </a:bodyPr>
+          <a:bodyPr/>
           <a:lstStyle/>
           <a:p>
             <a:r>
-              <a:rPr lang="en-US" dirty="0" smtClean="0"/>
-              <a:t>Not </a:t>
-            </a:r>
-            <a:r>
-              <a:rPr lang="en-US" dirty="0"/>
-              <a:t>everyone agrees:</a:t>
-            </a:r>
-            <a:br>
-              <a:rPr lang="en-US" dirty="0"/>
-            </a:br>
-            <a:r>
-              <a:rPr lang="en-US" sz="2000" dirty="0">
-                <a:hlinkClick r:id="rId2"/>
-              </a:rPr>
-              <a:t>http://www.nurkiewicz.com/2015/07/restful-considered-</a:t>
-            </a:r>
-            <a:r>
-              <a:rPr lang="en-US" sz="2000" dirty="0" smtClean="0">
-                <a:hlinkClick r:id="rId2"/>
-              </a:rPr>
-              <a:t>harmful.html</a:t>
-            </a:r>
-            <a:r>
-              <a:rPr lang="en-US" sz="2000" dirty="0" smtClean="0"/>
-              <a:t> </a:t>
-            </a:r>
-            <a:endParaRPr lang="en-US" sz="3200" dirty="0"/>
+              <a:rPr lang="en-US" dirty="0" err="1" smtClean="0"/>
+              <a:t>GraphQL</a:t>
+            </a:r>
+            <a:endParaRPr lang="en-US" dirty="0"/>
           </a:p>
         </p:txBody>
       </p:sp>
       <p:pic>
         <p:nvPicPr>
-          <p:cNvPr id="7" name="Picture 6"/>
+          <p:cNvPr id="4" name="Picture 3"/>
+          <p:cNvPicPr>
+            <a:picLocks noChangeAspect="1"/>
+          </p:cNvPicPr>
+          <p:nvPr/>
+        </p:nvPicPr>
+        <p:blipFill>
+          <a:blip r:embed="rId2"/>
+          <a:stretch>
+            <a:fillRect/>
+          </a:stretch>
+        </p:blipFill>
+        <p:spPr>
+          <a:xfrm>
+            <a:off x="0" y="1568852"/>
+            <a:ext cx="9144000" cy="1653788"/>
+          </a:xfrm>
+          <a:prstGeom prst="rect">
+            <a:avLst/>
+          </a:prstGeom>
+        </p:spPr>
+      </p:pic>
+      <p:pic>
+        <p:nvPicPr>
+          <p:cNvPr id="5" name="Picture 4"/>
           <p:cNvPicPr>
             <a:picLocks noChangeAspect="1"/>
           </p:cNvPicPr>
@@ -13142,8 +13144,8 @@
         </p:blipFill>
         <p:spPr>
           <a:xfrm>
-            <a:off x="785906" y="1264467"/>
-            <a:ext cx="7530353" cy="5485980"/>
+            <a:off x="0" y="3222640"/>
+            <a:ext cx="9144000" cy="1737697"/>
           </a:xfrm>
           <a:prstGeom prst="rect">
             <a:avLst/>
@@ -13153,7 +13155,7 @@
     </p:spTree>
     <p:extLst>
       <p:ext uri="{BB962C8B-B14F-4D97-AF65-F5344CB8AC3E}">
-        <p14:creationId xmlns:p14="http://schemas.microsoft.com/office/powerpoint/2010/main" val="2535603878"/>
+        <p14:creationId xmlns:p14="http://schemas.microsoft.com/office/powerpoint/2010/main" val="442286585"/>
       </p:ext>
     </p:extLst>
   </p:cSld>
@@ -13196,6 +13198,409 @@
           <a:lstStyle/>
           <a:p>
             <a:r>
+              <a:rPr lang="en-US" dirty="0" err="1" smtClean="0"/>
+              <a:t>GraphQL</a:t>
+            </a:r>
+            <a:endParaRPr lang="en-US" dirty="0"/>
+          </a:p>
+        </p:txBody>
+      </p:sp>
+      <p:sp>
+        <p:nvSpPr>
+          <p:cNvPr id="3" name="Content Placeholder 2"/>
+          <p:cNvSpPr>
+            <a:spLocks noGrp="1"/>
+          </p:cNvSpPr>
+          <p:nvPr>
+            <p:ph idx="1"/>
+          </p:nvPr>
+        </p:nvSpPr>
+        <p:spPr/>
+        <p:txBody>
+          <a:bodyPr/>
+          <a:lstStyle/>
+          <a:p>
+            <a:r>
+              <a:rPr lang="en-US" dirty="0" smtClean="0"/>
+              <a:t>A Facebook developed language </a:t>
+            </a:r>
+          </a:p>
+          <a:p>
+            <a:r>
+              <a:rPr lang="en-US" dirty="0" smtClean="0"/>
+              <a:t>Supports getting many resources with a single call</a:t>
+            </a:r>
+          </a:p>
+          <a:p>
+            <a:r>
+              <a:rPr lang="en-US" dirty="0" smtClean="0"/>
+              <a:t>Allows the caller to specify what data is needed</a:t>
+            </a:r>
+          </a:p>
+          <a:p>
+            <a:r>
+              <a:rPr lang="en-US" dirty="0" smtClean="0"/>
+              <a:t>A single endpoint to access multiple resources with a well defined type system</a:t>
+            </a:r>
+            <a:endParaRPr lang="en-US" dirty="0"/>
+          </a:p>
+        </p:txBody>
+      </p:sp>
+    </p:spTree>
+    <p:extLst>
+      <p:ext uri="{BB962C8B-B14F-4D97-AF65-F5344CB8AC3E}">
+        <p14:creationId xmlns:p14="http://schemas.microsoft.com/office/powerpoint/2010/main" val="1750700844"/>
+      </p:ext>
+    </p:extLst>
+  </p:cSld>
+  <p:clrMapOvr>
+    <a:masterClrMapping/>
+  </p:clrMapOvr>
+</p:sld>
+</file>
+
+<file path=ppt/slides/slide38.xml><?xml version="1.0" encoding="utf-8"?>
+<p:sld xmlns:a="http://schemas.openxmlformats.org/drawingml/2006/main" xmlns:r="http://schemas.openxmlformats.org/officeDocument/2006/relationships" xmlns:p="http://schemas.openxmlformats.org/presentationml/2006/main">
+  <p:cSld>
+    <p:spTree>
+      <p:nvGrpSpPr>
+        <p:cNvPr id="1" name=""/>
+        <p:cNvGrpSpPr/>
+        <p:nvPr/>
+      </p:nvGrpSpPr>
+      <p:grpSpPr>
+        <a:xfrm>
+          <a:off x="0" y="0"/>
+          <a:ext cx="0" cy="0"/>
+          <a:chOff x="0" y="0"/>
+          <a:chExt cx="0" cy="0"/>
+        </a:xfrm>
+      </p:grpSpPr>
+      <p:sp>
+        <p:nvSpPr>
+          <p:cNvPr id="2" name="Title 1"/>
+          <p:cNvSpPr>
+            <a:spLocks noGrp="1"/>
+          </p:cNvSpPr>
+          <p:nvPr>
+            <p:ph type="title"/>
+          </p:nvPr>
+        </p:nvSpPr>
+        <p:spPr/>
+        <p:txBody>
+          <a:bodyPr>
+            <a:noAutofit/>
+          </a:bodyPr>
+          <a:lstStyle/>
+          <a:p>
+            <a:r>
+              <a:rPr lang="en-US" sz="3200" dirty="0" smtClean="0"/>
+              <a:t>Command Query Responsibility Separation</a:t>
+            </a:r>
+            <a:endParaRPr lang="en-US" sz="3200" dirty="0"/>
+          </a:p>
+        </p:txBody>
+      </p:sp>
+      <p:pic>
+        <p:nvPicPr>
+          <p:cNvPr id="4" name="Picture 3"/>
+          <p:cNvPicPr>
+            <a:picLocks noChangeAspect="1"/>
+          </p:cNvPicPr>
+          <p:nvPr/>
+        </p:nvPicPr>
+        <p:blipFill>
+          <a:blip r:embed="rId2"/>
+          <a:stretch>
+            <a:fillRect/>
+          </a:stretch>
+        </p:blipFill>
+        <p:spPr>
+          <a:xfrm>
+            <a:off x="948887" y="1417638"/>
+            <a:ext cx="6917199" cy="5038588"/>
+          </a:xfrm>
+          <a:prstGeom prst="rect">
+            <a:avLst/>
+          </a:prstGeom>
+        </p:spPr>
+      </p:pic>
+      <p:sp>
+        <p:nvSpPr>
+          <p:cNvPr id="6" name="Rectangle 5"/>
+          <p:cNvSpPr/>
+          <p:nvPr/>
+        </p:nvSpPr>
+        <p:spPr>
+          <a:xfrm>
+            <a:off x="4806032" y="6491967"/>
+            <a:ext cx="4174190" cy="369332"/>
+          </a:xfrm>
+          <a:prstGeom prst="rect">
+            <a:avLst/>
+          </a:prstGeom>
+        </p:spPr>
+        <p:txBody>
+          <a:bodyPr wrap="none">
+            <a:spAutoFit/>
+          </a:bodyPr>
+          <a:lstStyle/>
+          <a:p>
+            <a:r>
+              <a:rPr lang="en-US" dirty="0"/>
+              <a:t>https://</a:t>
+            </a:r>
+            <a:r>
+              <a:rPr lang="en-US" dirty="0" err="1"/>
+              <a:t>martinfowler.com</a:t>
+            </a:r>
+            <a:r>
+              <a:rPr lang="en-US" dirty="0"/>
+              <a:t>/</a:t>
+            </a:r>
+            <a:r>
+              <a:rPr lang="en-US" dirty="0" err="1"/>
+              <a:t>bliki</a:t>
+            </a:r>
+            <a:r>
+              <a:rPr lang="en-US" dirty="0"/>
+              <a:t>/</a:t>
+            </a:r>
+            <a:r>
+              <a:rPr lang="en-US" dirty="0" err="1"/>
+              <a:t>CQRS.html</a:t>
+            </a:r>
+            <a:endParaRPr lang="en-US" dirty="0"/>
+          </a:p>
+        </p:txBody>
+      </p:sp>
+    </p:spTree>
+    <p:extLst>
+      <p:ext uri="{BB962C8B-B14F-4D97-AF65-F5344CB8AC3E}">
+        <p14:creationId xmlns:p14="http://schemas.microsoft.com/office/powerpoint/2010/main" val="1273849041"/>
+      </p:ext>
+    </p:extLst>
+  </p:cSld>
+  <p:clrMapOvr>
+    <a:masterClrMapping/>
+  </p:clrMapOvr>
+</p:sld>
+</file>
+
+<file path=ppt/slides/slide39.xml><?xml version="1.0" encoding="utf-8"?>
+<p:sld xmlns:a="http://schemas.openxmlformats.org/drawingml/2006/main" xmlns:r="http://schemas.openxmlformats.org/officeDocument/2006/relationships" xmlns:p="http://schemas.openxmlformats.org/presentationml/2006/main">
+  <p:cSld>
+    <p:spTree>
+      <p:nvGrpSpPr>
+        <p:cNvPr id="1" name=""/>
+        <p:cNvGrpSpPr/>
+        <p:nvPr/>
+      </p:nvGrpSpPr>
+      <p:grpSpPr>
+        <a:xfrm>
+          <a:off x="0" y="0"/>
+          <a:ext cx="0" cy="0"/>
+          <a:chOff x="0" y="0"/>
+          <a:chExt cx="0" cy="0"/>
+        </a:xfrm>
+      </p:grpSpPr>
+      <p:sp>
+        <p:nvSpPr>
+          <p:cNvPr id="5" name="Title 4"/>
+          <p:cNvSpPr>
+            <a:spLocks noGrp="1"/>
+          </p:cNvSpPr>
+          <p:nvPr>
+            <p:ph type="title"/>
+          </p:nvPr>
+        </p:nvSpPr>
+        <p:spPr/>
+        <p:txBody>
+          <a:bodyPr>
+            <a:noAutofit/>
+          </a:bodyPr>
+          <a:lstStyle/>
+          <a:p>
+            <a:r>
+              <a:rPr lang="en-US" dirty="0" smtClean="0"/>
+              <a:t>Not </a:t>
+            </a:r>
+            <a:r>
+              <a:rPr lang="en-US" dirty="0"/>
+              <a:t>everyone agrees:</a:t>
+            </a:r>
+            <a:br>
+              <a:rPr lang="en-US" dirty="0"/>
+            </a:br>
+            <a:r>
+              <a:rPr lang="en-US" sz="2000" dirty="0">
+                <a:hlinkClick r:id="rId2"/>
+              </a:rPr>
+              <a:t>http://www.nurkiewicz.com/2015/07/restful-considered-</a:t>
+            </a:r>
+            <a:r>
+              <a:rPr lang="en-US" sz="2000" dirty="0" smtClean="0">
+                <a:hlinkClick r:id="rId2"/>
+              </a:rPr>
+              <a:t>harmful.html</a:t>
+            </a:r>
+            <a:r>
+              <a:rPr lang="en-US" sz="2000" dirty="0" smtClean="0"/>
+              <a:t> </a:t>
+            </a:r>
+            <a:endParaRPr lang="en-US" sz="3200" dirty="0"/>
+          </a:p>
+        </p:txBody>
+      </p:sp>
+      <p:pic>
+        <p:nvPicPr>
+          <p:cNvPr id="7" name="Picture 6"/>
+          <p:cNvPicPr>
+            <a:picLocks noChangeAspect="1"/>
+          </p:cNvPicPr>
+          <p:nvPr/>
+        </p:nvPicPr>
+        <p:blipFill>
+          <a:blip r:embed="rId3"/>
+          <a:stretch>
+            <a:fillRect/>
+          </a:stretch>
+        </p:blipFill>
+        <p:spPr>
+          <a:xfrm>
+            <a:off x="785906" y="1264467"/>
+            <a:ext cx="7530353" cy="5485980"/>
+          </a:xfrm>
+          <a:prstGeom prst="rect">
+            <a:avLst/>
+          </a:prstGeom>
+        </p:spPr>
+      </p:pic>
+    </p:spTree>
+    <p:extLst>
+      <p:ext uri="{BB962C8B-B14F-4D97-AF65-F5344CB8AC3E}">
+        <p14:creationId xmlns:p14="http://schemas.microsoft.com/office/powerpoint/2010/main" val="2535603878"/>
+      </p:ext>
+    </p:extLst>
+  </p:cSld>
+  <p:clrMapOvr>
+    <a:masterClrMapping/>
+  </p:clrMapOvr>
+</p:sld>
+</file>
+
+<file path=ppt/slides/slide4.xml><?xml version="1.0" encoding="utf-8"?>
+<p:sld xmlns:a="http://schemas.openxmlformats.org/drawingml/2006/main" xmlns:r="http://schemas.openxmlformats.org/officeDocument/2006/relationships" xmlns:p="http://schemas.openxmlformats.org/presentationml/2006/main">
+  <p:cSld>
+    <p:spTree>
+      <p:nvGrpSpPr>
+        <p:cNvPr id="1" name=""/>
+        <p:cNvGrpSpPr/>
+        <p:nvPr/>
+      </p:nvGrpSpPr>
+      <p:grpSpPr>
+        <a:xfrm>
+          <a:off x="0" y="0"/>
+          <a:ext cx="0" cy="0"/>
+          <a:chOff x="0" y="0"/>
+          <a:chExt cx="0" cy="0"/>
+        </a:xfrm>
+      </p:grpSpPr>
+      <p:sp>
+        <p:nvSpPr>
+          <p:cNvPr id="2" name="Title 1"/>
+          <p:cNvSpPr>
+            <a:spLocks noGrp="1"/>
+          </p:cNvSpPr>
+          <p:nvPr>
+            <p:ph type="title"/>
+          </p:nvPr>
+        </p:nvSpPr>
+        <p:spPr/>
+        <p:txBody>
+          <a:bodyPr>
+            <a:normAutofit fontScale="90000"/>
+          </a:bodyPr>
+          <a:lstStyle/>
+          <a:p>
+            <a:r>
+              <a:rPr lang="en-US" dirty="0" smtClean="0"/>
+              <a:t>REST Derivation from Style Constraint</a:t>
+            </a:r>
+            <a:endParaRPr lang="en-US" dirty="0"/>
+          </a:p>
+        </p:txBody>
+      </p:sp>
+      <p:pic>
+        <p:nvPicPr>
+          <p:cNvPr id="4" name="Picture 3"/>
+          <p:cNvPicPr>
+            <a:picLocks noChangeAspect="1"/>
+          </p:cNvPicPr>
+          <p:nvPr/>
+        </p:nvPicPr>
+        <p:blipFill>
+          <a:blip r:embed="rId2"/>
+          <a:stretch>
+            <a:fillRect/>
+          </a:stretch>
+        </p:blipFill>
+        <p:spPr>
+          <a:xfrm>
+            <a:off x="0" y="1526694"/>
+            <a:ext cx="9144000" cy="4543893"/>
+          </a:xfrm>
+          <a:prstGeom prst="rect">
+            <a:avLst/>
+          </a:prstGeom>
+        </p:spPr>
+      </p:pic>
+    </p:spTree>
+    <p:extLst>
+      <p:ext uri="{BB962C8B-B14F-4D97-AF65-F5344CB8AC3E}">
+        <p14:creationId xmlns:p14="http://schemas.microsoft.com/office/powerpoint/2010/main" val="609052763"/>
+      </p:ext>
+    </p:extLst>
+  </p:cSld>
+  <p:clrMapOvr>
+    <a:masterClrMapping/>
+  </p:clrMapOvr>
+</p:sld>
+</file>
+
+<file path=ppt/slides/slide40.xml><?xml version="1.0" encoding="utf-8"?>
+<p:sld xmlns:a="http://schemas.openxmlformats.org/drawingml/2006/main" xmlns:r="http://schemas.openxmlformats.org/officeDocument/2006/relationships" xmlns:p="http://schemas.openxmlformats.org/presentationml/2006/main">
+  <p:cSld>
+    <p:spTree>
+      <p:nvGrpSpPr>
+        <p:cNvPr id="1" name=""/>
+        <p:cNvGrpSpPr/>
+        <p:nvPr/>
+      </p:nvGrpSpPr>
+      <p:grpSpPr>
+        <a:xfrm>
+          <a:off x="0" y="0"/>
+          <a:ext cx="0" cy="0"/>
+          <a:chOff x="0" y="0"/>
+          <a:chExt cx="0" cy="0"/>
+        </a:xfrm>
+      </p:grpSpPr>
+      <p:sp>
+        <p:nvSpPr>
+          <p:cNvPr id="2" name="Title 1"/>
+          <p:cNvSpPr>
+            <a:spLocks noGrp="1"/>
+          </p:cNvSpPr>
+          <p:nvPr>
+            <p:ph type="title"/>
+          </p:nvPr>
+        </p:nvSpPr>
+        <p:spPr/>
+        <p:txBody>
+          <a:bodyPr/>
+          <a:lstStyle/>
+          <a:p>
+            <a:r>
               <a:rPr lang="en-US" dirty="0" smtClean="0"/>
               <a:t>Anti-REST concerns	</a:t>
             </a:r>
@@ -13296,7 +13701,7 @@
 </p:sld>
 </file>
 
-<file path=ppt/slides/slide38.xml><?xml version="1.0" encoding="utf-8"?>
+<file path=ppt/slides/slide41.xml><?xml version="1.0" encoding="utf-8"?>
 <p:sld xmlns:a="http://schemas.openxmlformats.org/drawingml/2006/main" xmlns:r="http://schemas.openxmlformats.org/officeDocument/2006/relationships" xmlns:p="http://schemas.openxmlformats.org/presentationml/2006/main">
   <p:cSld>
     <p:spTree>
@@ -13386,7 +13791,7 @@
 </p:sld>
 </file>
 
-<file path=ppt/slides/slide39.xml><?xml version="1.0" encoding="utf-8"?>
+<file path=ppt/slides/slide42.xml><?xml version="1.0" encoding="utf-8"?>
 <p:sld xmlns:a="http://schemas.openxmlformats.org/drawingml/2006/main" xmlns:r="http://schemas.openxmlformats.org/officeDocument/2006/relationships" xmlns:p="http://schemas.openxmlformats.org/presentationml/2006/main">
   <p:cSld>
     <p:spTree>
@@ -13430,85 +13835,6 @@
     <p:extLst>
       <p:ext uri="{BB962C8B-B14F-4D97-AF65-F5344CB8AC3E}">
         <p14:creationId xmlns:p14="http://schemas.microsoft.com/office/powerpoint/2010/main" val="659247393"/>
-      </p:ext>
-    </p:extLst>
-  </p:cSld>
-  <p:clrMapOvr>
-    <a:masterClrMapping/>
-  </p:clrMapOvr>
-</p:sld>
-</file>
-
-<file path=ppt/slides/slide4.xml><?xml version="1.0" encoding="utf-8"?>
-<p:sld xmlns:a="http://schemas.openxmlformats.org/drawingml/2006/main" xmlns:r="http://schemas.openxmlformats.org/officeDocument/2006/relationships" xmlns:p="http://schemas.openxmlformats.org/presentationml/2006/main">
-  <p:cSld>
-    <p:spTree>
-      <p:nvGrpSpPr>
-        <p:cNvPr id="1" name=""/>
-        <p:cNvGrpSpPr/>
-        <p:nvPr/>
-      </p:nvGrpSpPr>
-      <p:grpSpPr>
-        <a:xfrm>
-          <a:off x="0" y="0"/>
-          <a:ext cx="0" cy="0"/>
-          <a:chOff x="0" y="0"/>
-          <a:chExt cx="0" cy="0"/>
-        </a:xfrm>
-      </p:grpSpPr>
-      <p:sp>
-        <p:nvSpPr>
-          <p:cNvPr id="2" name="Title 1"/>
-          <p:cNvSpPr>
-            <a:spLocks noGrp="1"/>
-          </p:cNvSpPr>
-          <p:nvPr>
-            <p:ph type="title"/>
-          </p:nvPr>
-        </p:nvSpPr>
-        <p:spPr/>
-        <p:txBody>
-          <a:bodyPr>
-            <a:normAutofit fontScale="90000"/>
-          </a:bodyPr>
-          <a:lstStyle/>
-          <a:p>
-            <a:r>
-              <a:rPr lang="en-US" dirty="0" smtClean="0"/>
-              <a:t>REST Derivation from Style Constraint</a:t>
-            </a:r>
-            <a:endParaRPr lang="en-US" dirty="0"/>
-          </a:p>
-        </p:txBody>
-      </p:sp>
-      <p:pic>
-        <p:nvPicPr>
-          <p:cNvPr id="4" name="Picture 3"/>
-          <p:cNvPicPr>
-            <a:picLocks noChangeAspect="1"/>
-          </p:cNvPicPr>
-          <p:nvPr/>
-        </p:nvPicPr>
-        <p:blipFill>
-          <a:blip r:embed="rId2"/>
-          <a:stretch>
-            <a:fillRect/>
-          </a:stretch>
-        </p:blipFill>
-        <p:spPr>
-          <a:xfrm>
-            <a:off x="0" y="1526694"/>
-            <a:ext cx="9144000" cy="4543893"/>
-          </a:xfrm>
-          <a:prstGeom prst="rect">
-            <a:avLst/>
-          </a:prstGeom>
-        </p:spPr>
-      </p:pic>
-    </p:spTree>
-    <p:extLst>
-      <p:ext uri="{BB962C8B-B14F-4D97-AF65-F5344CB8AC3E}">
-        <p14:creationId xmlns:p14="http://schemas.microsoft.com/office/powerpoint/2010/main" val="609052763"/>
       </p:ext>
     </p:extLst>
   </p:cSld>
